--- a/说明文档/项目申请-李渊.pptx
+++ b/说明文档/项目申请-李渊.pptx
@@ -25,7 +25,8 @@
     <p:sldId id="275" r:id="rId20"/>
     <p:sldId id="278" r:id="rId21"/>
     <p:sldId id="276" r:id="rId22"/>
-    <p:sldId id="260" r:id="rId23"/>
+    <p:sldId id="281" r:id="rId23"/>
+    <p:sldId id="260" r:id="rId24"/>
   </p:sldIdLst>
   <p:sldSz cx="12192000" cy="6858000"/>
   <p:notesSz cx="6858000" cy="9144000"/>
@@ -7960,7 +7961,7 @@
         </p:blipFill>
         <p:spPr>
           <a:xfrm>
-            <a:off x="2413635" y="939800"/>
+            <a:off x="1421130" y="807085"/>
             <a:ext cx="5432425" cy="5243830"/>
           </a:xfrm>
           <a:prstGeom prst="rect">
@@ -12982,6 +12983,172 @@
 </file>
 
 <file path=ppt/slides/slide21.xml><?xml version="1.0" encoding="utf-8"?>
+<p:sld xmlns:a="http://schemas.openxmlformats.org/drawingml/2006/main" xmlns:r="http://schemas.openxmlformats.org/officeDocument/2006/relationships" xmlns:p="http://schemas.openxmlformats.org/presentationml/2006/main">
+  <p:cSld>
+    <p:spTree>
+      <p:nvGrpSpPr>
+        <p:cNvPr id="1" name=""/>
+        <p:cNvGrpSpPr/>
+        <p:nvPr/>
+      </p:nvGrpSpPr>
+      <p:grpSpPr/>
+      <p:sp>
+        <p:nvSpPr>
+          <p:cNvPr id="2" name="标题 1"/>
+          <p:cNvSpPr>
+            <a:spLocks noGrp="1"/>
+          </p:cNvSpPr>
+          <p:nvPr>
+            <p:ph type="title"/>
+          </p:nvPr>
+        </p:nvSpPr>
+        <p:spPr/>
+        <p:txBody>
+          <a:bodyPr/>
+          <a:p>
+            <a:r>
+              <a:rPr lang="zh-CN" altLang="en-US"/>
+              <a:t>气温色标的</a:t>
+            </a:r>
+            <a:r>
+              <a:rPr lang="zh-CN" altLang="en-US"/>
+              <a:t>确定</a:t>
+            </a:r>
+            <a:endParaRPr lang="zh-CN" altLang="en-US"/>
+          </a:p>
+        </p:txBody>
+      </p:sp>
+      <p:sp>
+        <p:nvSpPr>
+          <p:cNvPr id="3" name="内容占位符 2"/>
+          <p:cNvSpPr>
+            <a:spLocks noGrp="1"/>
+          </p:cNvSpPr>
+          <p:nvPr>
+            <p:ph idx="1"/>
+          </p:nvPr>
+        </p:nvSpPr>
+        <p:spPr>
+          <a:xfrm>
+            <a:off x="4114165" y="1884680"/>
+            <a:ext cx="7239635" cy="4292600"/>
+          </a:xfrm>
+        </p:spPr>
+        <p:txBody>
+          <a:bodyPr/>
+          <a:p>
+            <a:r>
+              <a:rPr lang="en-US" altLang="zh-CN"/>
+              <a:t>1.</a:t>
+            </a:r>
+            <a:r>
+              <a:rPr lang="zh-CN" altLang="en-US"/>
+              <a:t>求</a:t>
+            </a:r>
+            <a:r>
+              <a:rPr lang="en-US" altLang="zh-CN"/>
+              <a:t>max </a:t>
+            </a:r>
+            <a:r>
+              <a:rPr lang="zh-CN" altLang="en-US"/>
+              <a:t>和</a:t>
+            </a:r>
+            <a:r>
+              <a:rPr lang="en-US" altLang="zh-CN"/>
+              <a:t>min</a:t>
+            </a:r>
+            <a:endParaRPr lang="en-US" altLang="zh-CN"/>
+          </a:p>
+          <a:p>
+            <a:r>
+              <a:rPr lang="en-US" altLang="zh-CN"/>
+              <a:t>16</a:t>
+            </a:r>
+            <a:r>
+              <a:rPr lang="zh-CN" altLang="en-US"/>
+              <a:t>份</a:t>
+            </a:r>
+            <a:r>
+              <a:rPr lang="en-US" altLang="zh-CN"/>
+              <a:t>  max-min &gt;16  d = 1   else d = 0.5</a:t>
+            </a:r>
+            <a:endParaRPr lang="zh-CN" altLang="en-US"/>
+          </a:p>
+          <a:p>
+            <a:r>
+              <a:rPr lang="en-US" altLang="zh-CN"/>
+              <a:t>max 35    30</a:t>
+            </a:r>
+            <a:endParaRPr lang="en-US" altLang="zh-CN"/>
+          </a:p>
+          <a:p>
+            <a:r>
+              <a:rPr lang="en-US" altLang="zh-CN">
+                <a:sym typeface="+mn-ea"/>
+              </a:rPr>
+              <a:t>max 32    28</a:t>
+            </a:r>
+            <a:endParaRPr lang="en-US" altLang="zh-CN"/>
+          </a:p>
+          <a:p>
+            <a:r>
+              <a:rPr lang="en-US" altLang="zh-CN"/>
+              <a:t>max 28    26</a:t>
+            </a:r>
+            <a:endParaRPr lang="en-US" altLang="zh-CN"/>
+          </a:p>
+          <a:p>
+            <a:r>
+              <a:rPr lang="en-US" altLang="zh-CN"/>
+              <a:t>max 16    24</a:t>
+            </a:r>
+            <a:endParaRPr lang="en-US" altLang="zh-CN"/>
+          </a:p>
+          <a:p>
+            <a:r>
+              <a:rPr lang="en-US" altLang="zh-CN"/>
+              <a:t>max 10    21</a:t>
+            </a:r>
+            <a:endParaRPr lang="en-US" altLang="zh-CN"/>
+          </a:p>
+          <a:p>
+            <a:endParaRPr lang="en-US" altLang="zh-CN"/>
+          </a:p>
+        </p:txBody>
+      </p:sp>
+      <p:pic>
+        <p:nvPicPr>
+          <p:cNvPr id="4" name="图片 3"/>
+          <p:cNvPicPr>
+            <a:picLocks noChangeAspect="1"/>
+          </p:cNvPicPr>
+          <p:nvPr/>
+        </p:nvPicPr>
+        <p:blipFill>
+          <a:blip r:embed="rId1"/>
+          <a:stretch>
+            <a:fillRect/>
+          </a:stretch>
+        </p:blipFill>
+        <p:spPr>
+          <a:xfrm>
+            <a:off x="1983740" y="1976755"/>
+            <a:ext cx="1019175" cy="3600450"/>
+          </a:xfrm>
+          <a:prstGeom prst="rect">
+            <a:avLst/>
+          </a:prstGeom>
+        </p:spPr>
+      </p:pic>
+    </p:spTree>
+  </p:cSld>
+  <p:clrMapOvr>
+    <a:masterClrMapping/>
+  </p:clrMapOvr>
+</p:sld>
+</file>
+
+<file path=ppt/slides/slide22.xml><?xml version="1.0" encoding="utf-8"?>
 <p:sld xmlns:a="http://schemas.openxmlformats.org/drawingml/2006/main" xmlns:r="http://schemas.openxmlformats.org/officeDocument/2006/relationships" xmlns:p="http://schemas.openxmlformats.org/presentationml/2006/main">
   <p:cSld>
     <p:spTree>
